--- a/Strategic Marketing Plan.pptx
+++ b/Strategic Marketing Plan.pptx
@@ -15,25 +15,26 @@
     <p:sldId id="263" r:id="rId13"/>
     <p:sldId id="264" r:id="rId14"/>
     <p:sldId id="265" r:id="rId15"/>
+    <p:sldId id="266" r:id="rId16"/>
   </p:sldIdLst>
   <p:sldSz cx="18288000" cy="10287000"/>
   <p:notesSz cx="6858000" cy="9144000"/>
   <p:embeddedFontLst>
     <p:embeddedFont>
       <p:font typeface="Hagrid Ultra-Bold" charset="1" panose="00000800000000000000"/>
-      <p:regular r:id="rId16"/>
+      <p:regular r:id="rId17"/>
     </p:embeddedFont>
     <p:embeddedFont>
       <p:font typeface="Hagrid" charset="1" panose="00000500000000000000"/>
-      <p:regular r:id="rId17"/>
+      <p:regular r:id="rId18"/>
     </p:embeddedFont>
     <p:embeddedFont>
       <p:font typeface="Hagrid Medium" charset="1" panose="00000600000000000000"/>
-      <p:regular r:id="rId18"/>
+      <p:regular r:id="rId19"/>
     </p:embeddedFont>
     <p:embeddedFont>
       <p:font typeface="Hagrid Light" charset="1" panose="00000400000000000000"/>
-      <p:regular r:id="rId19"/>
+      <p:regular r:id="rId20"/>
     </p:embeddedFont>
   </p:embeddedFontLst>
   <p:defaultTextStyle>
@@ -3982,6 +3983,443 @@
         </p:nvSpPr>
         <p:spPr>
           <a:xfrm>
+            <a:off x="2092931" y="1375654"/>
+            <a:ext cx="13724997" cy="9525"/>
+          </a:xfrm>
+          <a:prstGeom prst="line">
+            <a:avLst/>
+          </a:prstGeom>
+          <a:ln cap="flat" w="19050">
+            <a:solidFill>
+              <a:srgbClr val="B08DF4"/>
+            </a:solidFill>
+            <a:prstDash val="solid"/>
+            <a:headEnd type="none" len="sm" w="sm"/>
+            <a:tailEnd type="none" len="sm" w="sm"/>
+          </a:ln>
+        </p:spPr>
+      </p:sp>
+      <p:sp>
+        <p:nvSpPr>
+          <p:cNvPr name="Freeform 5" id="5"/>
+          <p:cNvSpPr/>
+          <p:nvPr/>
+        </p:nvSpPr>
+        <p:spPr>
+          <a:xfrm flipH="false" flipV="false" rot="0">
+            <a:off x="0" y="8605903"/>
+            <a:ext cx="3823573" cy="1304794"/>
+          </a:xfrm>
+          <a:custGeom>
+            <a:avLst/>
+            <a:gdLst/>
+            <a:ahLst/>
+            <a:cxnLst/>
+            <a:rect r="r" b="b" t="t" l="l"/>
+            <a:pathLst>
+              <a:path h="1304794" w="3823573">
+                <a:moveTo>
+                  <a:pt x="0" y="0"/>
+                </a:moveTo>
+                <a:lnTo>
+                  <a:pt x="3823573" y="0"/>
+                </a:lnTo>
+                <a:lnTo>
+                  <a:pt x="3823573" y="1304794"/>
+                </a:lnTo>
+                <a:lnTo>
+                  <a:pt x="0" y="1304794"/>
+                </a:lnTo>
+                <a:lnTo>
+                  <a:pt x="0" y="0"/>
+                </a:lnTo>
+                <a:close/>
+              </a:path>
+            </a:pathLst>
+          </a:custGeom>
+          <a:blipFill>
+            <a:blip r:embed="rId6">
+              <a:extLst>
+                <a:ext uri="{96DAC541-7B7A-43D3-8B79-37D633B846F1}">
+                  <asvg:svgBlip xmlns:asvg="http://schemas.microsoft.com/office/drawing/2016/SVG/main" r:embed="rId7"/>
+                </a:ext>
+              </a:extLst>
+            </a:blip>
+            <a:stretch>
+              <a:fillRect l="0" t="0" r="0" b="0"/>
+            </a:stretch>
+          </a:blipFill>
+        </p:spPr>
+      </p:sp>
+      <p:grpSp>
+        <p:nvGrpSpPr>
+          <p:cNvPr name="Group 6" id="6"/>
+          <p:cNvGrpSpPr/>
+          <p:nvPr/>
+        </p:nvGrpSpPr>
+        <p:grpSpPr>
+          <a:xfrm rot="0">
+            <a:off x="9058002" y="1993102"/>
+            <a:ext cx="8201298" cy="7265198"/>
+            <a:chOff x="0" y="0"/>
+            <a:chExt cx="6348857" cy="5624195"/>
+          </a:xfrm>
+        </p:grpSpPr>
+        <p:sp>
+          <p:nvSpPr>
+            <p:cNvPr name="Freeform 7" id="7"/>
+            <p:cNvSpPr/>
+            <p:nvPr/>
+          </p:nvSpPr>
+          <p:spPr>
+            <a:xfrm flipH="false" flipV="false" rot="0">
+              <a:off x="0" y="0"/>
+              <a:ext cx="6348857" cy="5624195"/>
+            </a:xfrm>
+            <a:custGeom>
+              <a:avLst/>
+              <a:gdLst/>
+              <a:ahLst/>
+              <a:cxnLst/>
+              <a:rect r="r" b="b" t="t" l="l"/>
+              <a:pathLst>
+                <a:path h="5624195" w="6348857">
+                  <a:moveTo>
+                    <a:pt x="6348857" y="3893693"/>
+                  </a:moveTo>
+                  <a:lnTo>
+                    <a:pt x="5391658" y="3893693"/>
+                  </a:lnTo>
+                  <a:cubicBezTo>
+                    <a:pt x="5231511" y="4875149"/>
+                    <a:pt x="4379722" y="5624195"/>
+                    <a:pt x="3352927" y="5624195"/>
+                  </a:cubicBezTo>
+                  <a:cubicBezTo>
+                    <a:pt x="2211959" y="5624195"/>
+                    <a:pt x="1287145" y="4699254"/>
+                    <a:pt x="1287145" y="3558413"/>
+                  </a:cubicBezTo>
+                  <a:cubicBezTo>
+                    <a:pt x="1287145" y="3121787"/>
+                    <a:pt x="1422654" y="2716784"/>
+                    <a:pt x="1653794" y="2383155"/>
+                  </a:cubicBezTo>
+                  <a:lnTo>
+                    <a:pt x="1238504" y="2347087"/>
+                  </a:lnTo>
+                  <a:lnTo>
+                    <a:pt x="1805051" y="2017776"/>
+                  </a:lnTo>
+                  <a:lnTo>
+                    <a:pt x="0" y="1600708"/>
+                  </a:lnTo>
+                  <a:lnTo>
+                    <a:pt x="1908810" y="1630045"/>
+                  </a:lnTo>
+                  <a:lnTo>
+                    <a:pt x="1483868" y="921385"/>
+                  </a:lnTo>
+                  <a:lnTo>
+                    <a:pt x="2192528" y="1346327"/>
+                  </a:lnTo>
+                  <a:lnTo>
+                    <a:pt x="2087499" y="0"/>
+                  </a:lnTo>
+                  <a:lnTo>
+                    <a:pt x="2580132" y="1242568"/>
+                  </a:lnTo>
+                  <a:lnTo>
+                    <a:pt x="2963545" y="552323"/>
+                  </a:lnTo>
+                  <a:lnTo>
+                    <a:pt x="2963545" y="508254"/>
+                  </a:lnTo>
+                  <a:cubicBezTo>
+                    <a:pt x="4833239" y="508381"/>
+                    <a:pt x="6348857" y="2023999"/>
+                    <a:pt x="6348857" y="3893693"/>
+                  </a:cubicBezTo>
+                  <a:close/>
+                </a:path>
+              </a:pathLst>
+            </a:custGeom>
+            <a:blipFill>
+              <a:blip r:embed="rId8"/>
+              <a:stretch>
+                <a:fillRect l="-33375" t="0" r="-33375" b="0"/>
+              </a:stretch>
+            </a:blipFill>
+          </p:spPr>
+        </p:sp>
+      </p:grpSp>
+      <p:sp>
+        <p:nvSpPr>
+          <p:cNvPr name="TextBox 8" id="8"/>
+          <p:cNvSpPr txBox="true"/>
+          <p:nvPr/>
+        </p:nvSpPr>
+        <p:spPr>
+          <a:xfrm rot="0">
+            <a:off x="15817928" y="1154198"/>
+            <a:ext cx="1441372" cy="433387"/>
+          </a:xfrm>
+          <a:prstGeom prst="rect">
+            <a:avLst/>
+          </a:prstGeom>
+        </p:spPr>
+        <p:txBody>
+          <a:bodyPr anchor="t" rtlCol="false" tIns="0" lIns="0" bIns="0" rIns="0">
+            <a:spAutoFit/>
+          </a:bodyPr>
+          <a:lstStyle/>
+          <a:p>
+            <a:pPr algn="r">
+              <a:lnSpc>
+                <a:spcPts val="3359"/>
+              </a:lnSpc>
+            </a:pPr>
+            <a:r>
+              <a:rPr lang="en-US" sz="2799" b="true">
+                <a:solidFill>
+                  <a:srgbClr val="FFFFFF"/>
+                </a:solidFill>
+                <a:latin typeface="Hagrid Medium"/>
+                <a:ea typeface="Hagrid Medium"/>
+                <a:cs typeface="Hagrid Medium"/>
+                <a:sym typeface="Hagrid Medium"/>
+              </a:rPr>
+              <a:t>Intro</a:t>
+            </a:r>
+          </a:p>
+        </p:txBody>
+      </p:sp>
+      <p:sp>
+        <p:nvSpPr>
+          <p:cNvPr name="TextBox 9" id="9"/>
+          <p:cNvSpPr txBox="true"/>
+          <p:nvPr/>
+        </p:nvSpPr>
+        <p:spPr>
+          <a:xfrm rot="0">
+            <a:off x="1028700" y="2642784"/>
+            <a:ext cx="8115300" cy="1152525"/>
+          </a:xfrm>
+          <a:prstGeom prst="rect">
+            <a:avLst/>
+          </a:prstGeom>
+        </p:spPr>
+        <p:txBody>
+          <a:bodyPr anchor="t" rtlCol="false" tIns="0" lIns="0" bIns="0" rIns="0">
+            <a:spAutoFit/>
+          </a:bodyPr>
+          <a:lstStyle/>
+          <a:p>
+            <a:pPr algn="l">
+              <a:lnSpc>
+                <a:spcPts val="8640"/>
+              </a:lnSpc>
+            </a:pPr>
+            <a:r>
+              <a:rPr lang="en-US" sz="7200" b="true">
+                <a:solidFill>
+                  <a:srgbClr val="B08DF4"/>
+                </a:solidFill>
+                <a:latin typeface="Hagrid Ultra-Bold"/>
+                <a:ea typeface="Hagrid Ultra-Bold"/>
+                <a:cs typeface="Hagrid Ultra-Bold"/>
+                <a:sym typeface="Hagrid Ultra-Bold"/>
+              </a:rPr>
+              <a:t>NO FUTURO</a:t>
+            </a:r>
+          </a:p>
+        </p:txBody>
+      </p:sp>
+      <p:sp>
+        <p:nvSpPr>
+          <p:cNvPr name="TextBox 10" id="10"/>
+          <p:cNvSpPr txBox="true"/>
+          <p:nvPr/>
+        </p:nvSpPr>
+        <p:spPr>
+          <a:xfrm rot="0">
+            <a:off x="1028700" y="4052806"/>
+            <a:ext cx="8115300" cy="3050541"/>
+          </a:xfrm>
+          <a:prstGeom prst="rect">
+            <a:avLst/>
+          </a:prstGeom>
+        </p:spPr>
+        <p:txBody>
+          <a:bodyPr anchor="t" rtlCol="false" tIns="0" lIns="0" bIns="0" rIns="0">
+            <a:spAutoFit/>
+          </a:bodyPr>
+          <a:lstStyle/>
+          <a:p>
+            <a:pPr algn="just">
+              <a:lnSpc>
+                <a:spcPts val="3519"/>
+              </a:lnSpc>
+            </a:pPr>
+            <a:r>
+              <a:rPr lang="en-US" sz="2199">
+                <a:solidFill>
+                  <a:srgbClr val="FFFFFF"/>
+                </a:solidFill>
+                <a:latin typeface="Hagrid"/>
+                <a:ea typeface="Hagrid"/>
+                <a:cs typeface="Hagrid"/>
+                <a:sym typeface="Hagrid"/>
+              </a:rPr>
+              <a:t>Nos próximos 5 a 10 anos, o metaverso e a IoT devem se integrar cada vez mais, conectando o mundo físico ao virtual. Isso deve transformar áreas como saúde, educação, trabalho e cidades inteligentes, com experiências mais imersivas e automação. Mas será essencial cuidar da segurança, da privacidade e do acesso para todos.</a:t>
+            </a:r>
+          </a:p>
+        </p:txBody>
+      </p:sp>
+    </p:spTree>
+  </p:cSld>
+  <p:clrMapOvr>
+    <a:masterClrMapping/>
+  </p:clrMapOvr>
+</p:sld>
+</file>
+
+<file path=ppt/slides/slide11.xml><?xml version="1.0" encoding="utf-8"?>
+<p:sld xmlns:p="http://schemas.openxmlformats.org/presentationml/2006/main" xmlns:a="http://schemas.openxmlformats.org/drawingml/2006/main" xmlns:r="http://schemas.openxmlformats.org/officeDocument/2006/relationships">
+  <p:cSld>
+    <p:bg>
+      <p:bgPr>
+        <a:solidFill>
+          <a:srgbClr val="191B1B"/>
+        </a:solidFill>
+      </p:bgPr>
+    </p:bg>
+    <p:spTree>
+      <p:nvGrpSpPr>
+        <p:cNvPr id="1" name=""/>
+        <p:cNvGrpSpPr/>
+        <p:nvPr/>
+      </p:nvGrpSpPr>
+      <p:grpSpPr>
+        <a:xfrm>
+          <a:off x="0" y="0"/>
+          <a:ext cx="0" cy="0"/>
+          <a:chOff x="0" y="0"/>
+          <a:chExt cx="0" cy="0"/>
+        </a:xfrm>
+      </p:grpSpPr>
+      <p:sp>
+        <p:nvSpPr>
+          <p:cNvPr name="Freeform 2" id="2"/>
+          <p:cNvSpPr/>
+          <p:nvPr/>
+        </p:nvSpPr>
+        <p:spPr>
+          <a:xfrm flipH="false" flipV="false" rot="0">
+            <a:off x="9969" y="-23608"/>
+            <a:ext cx="18268063" cy="10334215"/>
+          </a:xfrm>
+          <a:custGeom>
+            <a:avLst/>
+            <a:gdLst/>
+            <a:ahLst/>
+            <a:cxnLst/>
+            <a:rect r="r" b="b" t="t" l="l"/>
+            <a:pathLst>
+              <a:path h="10334215" w="18268063">
+                <a:moveTo>
+                  <a:pt x="0" y="0"/>
+                </a:moveTo>
+                <a:lnTo>
+                  <a:pt x="18268062" y="0"/>
+                </a:lnTo>
+                <a:lnTo>
+                  <a:pt x="18268062" y="10334216"/>
+                </a:lnTo>
+                <a:lnTo>
+                  <a:pt x="0" y="10334216"/>
+                </a:lnTo>
+                <a:lnTo>
+                  <a:pt x="0" y="0"/>
+                </a:lnTo>
+                <a:close/>
+              </a:path>
+            </a:pathLst>
+          </a:custGeom>
+          <a:blipFill>
+            <a:blip r:embed="rId2">
+              <a:extLst>
+                <a:ext uri="{96DAC541-7B7A-43D3-8B79-37D633B846F1}">
+                  <asvg:svgBlip xmlns:asvg="http://schemas.microsoft.com/office/drawing/2016/SVG/main" r:embed="rId3"/>
+                </a:ext>
+              </a:extLst>
+            </a:blip>
+            <a:stretch>
+              <a:fillRect l="-925" t="-51269" r="-785" b="-25381"/>
+            </a:stretch>
+          </a:blipFill>
+        </p:spPr>
+      </p:sp>
+      <p:sp>
+        <p:nvSpPr>
+          <p:cNvPr name="Freeform 3" id="3"/>
+          <p:cNvSpPr/>
+          <p:nvPr/>
+        </p:nvSpPr>
+        <p:spPr>
+          <a:xfrm flipH="false" flipV="false" rot="0">
+            <a:off x="1028700" y="1055859"/>
+            <a:ext cx="639591" cy="639591"/>
+          </a:xfrm>
+          <a:custGeom>
+            <a:avLst/>
+            <a:gdLst/>
+            <a:ahLst/>
+            <a:cxnLst/>
+            <a:rect r="r" b="b" t="t" l="l"/>
+            <a:pathLst>
+              <a:path h="639591" w="639591">
+                <a:moveTo>
+                  <a:pt x="0" y="0"/>
+                </a:moveTo>
+                <a:lnTo>
+                  <a:pt x="639591" y="0"/>
+                </a:lnTo>
+                <a:lnTo>
+                  <a:pt x="639591" y="639591"/>
+                </a:lnTo>
+                <a:lnTo>
+                  <a:pt x="0" y="639591"/>
+                </a:lnTo>
+                <a:lnTo>
+                  <a:pt x="0" y="0"/>
+                </a:lnTo>
+                <a:close/>
+              </a:path>
+            </a:pathLst>
+          </a:custGeom>
+          <a:blipFill>
+            <a:blip r:embed="rId4">
+              <a:extLst>
+                <a:ext uri="{96DAC541-7B7A-43D3-8B79-37D633B846F1}">
+                  <asvg:svgBlip xmlns:asvg="http://schemas.microsoft.com/office/drawing/2016/SVG/main" r:embed="rId5"/>
+                </a:ext>
+              </a:extLst>
+            </a:blip>
+            <a:stretch>
+              <a:fillRect l="0" t="0" r="0" b="0"/>
+            </a:stretch>
+          </a:blipFill>
+        </p:spPr>
+      </p:sp>
+      <p:sp>
+        <p:nvSpPr>
+          <p:cNvPr name="AutoShape 4" id="4"/>
+          <p:cNvSpPr/>
+          <p:nvPr/>
+        </p:nvSpPr>
+        <p:spPr>
+          <a:xfrm>
             <a:off x="2015883" y="1375654"/>
             <a:ext cx="15243417" cy="9525"/>
           </a:xfrm>
@@ -8950,7 +9388,7 @@
         </p:nvSpPr>
         <p:spPr>
           <a:xfrm flipH="false" flipV="false" rot="0">
-            <a:off x="9969" y="-23608"/>
+            <a:off x="19937" y="-23608"/>
             <a:ext cx="18268063" cy="10334215"/>
           </a:xfrm>
           <a:custGeom>
@@ -8965,10 +9403,10 @@
                   <a:pt x="0" y="0"/>
                 </a:moveTo>
                 <a:lnTo>
-                  <a:pt x="18268062" y="0"/>
-                </a:lnTo>
-                <a:lnTo>
-                  <a:pt x="18268062" y="10334216"/>
+                  <a:pt x="18268063" y="0"/>
+                </a:lnTo>
+                <a:lnTo>
+                  <a:pt x="18268063" y="10334216"/>
                 </a:lnTo>
                 <a:lnTo>
                   <a:pt x="0" y="10334216"/>
@@ -8996,14 +9434,38 @@
       </p:sp>
       <p:sp>
         <p:nvSpPr>
-          <p:cNvPr name="Freeform 3" id="3"/>
+          <p:cNvPr name="AutoShape 3" id="3"/>
           <p:cNvSpPr/>
           <p:nvPr/>
         </p:nvSpPr>
         <p:spPr>
-          <a:xfrm flipH="false" flipV="false" rot="0">
-            <a:off x="1028700" y="1055859"/>
-            <a:ext cx="639591" cy="639591"/>
+          <a:xfrm>
+            <a:off x="1028700" y="864702"/>
+            <a:ext cx="16230600" cy="0"/>
+          </a:xfrm>
+          <a:prstGeom prst="line">
+            <a:avLst/>
+          </a:prstGeom>
+          <a:ln cap="flat" w="19050">
+            <a:solidFill>
+              <a:srgbClr val="B08DF4"/>
+            </a:solidFill>
+            <a:prstDash val="solid"/>
+            <a:headEnd type="none" len="sm" w="sm"/>
+            <a:tailEnd type="none" len="sm" w="sm"/>
+          </a:ln>
+        </p:spPr>
+      </p:sp>
+      <p:sp>
+        <p:nvSpPr>
+          <p:cNvPr name="Freeform 4" id="4"/>
+          <p:cNvSpPr/>
+          <p:nvPr/>
+        </p:nvSpPr>
+        <p:spPr>
+          <a:xfrm flipH="true" flipV="true" rot="0">
+            <a:off x="11523894" y="3375774"/>
+            <a:ext cx="7315200" cy="2505456"/>
           </a:xfrm>
           <a:custGeom>
             <a:avLst/>
@@ -9012,21 +9474,21 @@
             <a:cxnLst/>
             <a:rect r="r" b="b" t="t" l="l"/>
             <a:pathLst>
-              <a:path h="639591" w="639591">
+              <a:path h="2505456" w="7315200">
                 <a:moveTo>
-                  <a:pt x="0" y="0"/>
+                  <a:pt x="7315200" y="2505456"/>
                 </a:moveTo>
                 <a:lnTo>
-                  <a:pt x="639591" y="0"/>
-                </a:lnTo>
-                <a:lnTo>
-                  <a:pt x="639591" y="639591"/>
-                </a:lnTo>
-                <a:lnTo>
-                  <a:pt x="0" y="639591"/>
-                </a:lnTo>
-                <a:lnTo>
-                  <a:pt x="0" y="0"/>
+                  <a:pt x="0" y="2505456"/>
+                </a:lnTo>
+                <a:lnTo>
+                  <a:pt x="0" y="0"/>
+                </a:lnTo>
+                <a:lnTo>
+                  <a:pt x="7315200" y="0"/>
+                </a:lnTo>
+                <a:lnTo>
+                  <a:pt x="7315200" y="2505456"/>
                 </a:lnTo>
                 <a:close/>
               </a:path>
@@ -9048,38 +9510,14 @@
       </p:sp>
       <p:sp>
         <p:nvSpPr>
-          <p:cNvPr name="AutoShape 4" id="4"/>
-          <p:cNvSpPr/>
-          <p:nvPr/>
-        </p:nvSpPr>
-        <p:spPr>
-          <a:xfrm>
-            <a:off x="2092931" y="1375654"/>
-            <a:ext cx="13724997" cy="9525"/>
-          </a:xfrm>
-          <a:prstGeom prst="line">
-            <a:avLst/>
-          </a:prstGeom>
-          <a:ln cap="flat" w="19050">
-            <a:solidFill>
-              <a:srgbClr val="B08DF4"/>
-            </a:solidFill>
-            <a:prstDash val="solid"/>
-            <a:headEnd type="none" len="sm" w="sm"/>
-            <a:tailEnd type="none" len="sm" w="sm"/>
-          </a:ln>
-        </p:spPr>
-      </p:sp>
-      <p:sp>
-        <p:nvSpPr>
           <p:cNvPr name="Freeform 5" id="5"/>
           <p:cNvSpPr/>
           <p:nvPr/>
         </p:nvSpPr>
         <p:spPr>
           <a:xfrm flipH="false" flipV="false" rot="0">
-            <a:off x="0" y="8605903"/>
-            <a:ext cx="3823573" cy="1304794"/>
+            <a:off x="1359796" y="3564403"/>
+            <a:ext cx="4846990" cy="5857390"/>
           </a:xfrm>
           <a:custGeom>
             <a:avLst/>
@@ -9088,18 +9526,18 @@
             <a:cxnLst/>
             <a:rect r="r" b="b" t="t" l="l"/>
             <a:pathLst>
-              <a:path h="1304794" w="3823573">
+              <a:path h="5857390" w="4846990">
                 <a:moveTo>
                   <a:pt x="0" y="0"/>
                 </a:moveTo>
                 <a:lnTo>
-                  <a:pt x="3823573" y="0"/>
-                </a:lnTo>
-                <a:lnTo>
-                  <a:pt x="3823573" y="1304794"/>
-                </a:lnTo>
-                <a:lnTo>
-                  <a:pt x="0" y="1304794"/>
+                  <a:pt x="4846990" y="0"/>
+                </a:lnTo>
+                <a:lnTo>
+                  <a:pt x="4846990" y="5857389"/>
+                </a:lnTo>
+                <a:lnTo>
+                  <a:pt x="0" y="5857389"/>
                 </a:lnTo>
                 <a:lnTo>
                   <a:pt x="0" y="0"/>
@@ -9122,118 +9560,16 @@
           </a:blipFill>
         </p:spPr>
       </p:sp>
-      <p:grpSp>
-        <p:nvGrpSpPr>
-          <p:cNvPr name="Group 6" id="6"/>
-          <p:cNvGrpSpPr/>
-          <p:nvPr/>
-        </p:nvGrpSpPr>
-        <p:grpSpPr>
+      <p:sp>
+        <p:nvSpPr>
+          <p:cNvPr name="TextBox 6" id="6"/>
+          <p:cNvSpPr txBox="true"/>
+          <p:nvPr/>
+        </p:nvSpPr>
+        <p:spPr>
           <a:xfrm rot="0">
-            <a:off x="9058002" y="1993102"/>
-            <a:ext cx="8201298" cy="7265198"/>
-            <a:chOff x="0" y="0"/>
-            <a:chExt cx="6348857" cy="5624195"/>
-          </a:xfrm>
-        </p:grpSpPr>
-        <p:sp>
-          <p:nvSpPr>
-            <p:cNvPr name="Freeform 7" id="7"/>
-            <p:cNvSpPr/>
-            <p:nvPr/>
-          </p:nvSpPr>
-          <p:spPr>
-            <a:xfrm flipH="false" flipV="false" rot="0">
-              <a:off x="0" y="0"/>
-              <a:ext cx="6348857" cy="5624195"/>
-            </a:xfrm>
-            <a:custGeom>
-              <a:avLst/>
-              <a:gdLst/>
-              <a:ahLst/>
-              <a:cxnLst/>
-              <a:rect r="r" b="b" t="t" l="l"/>
-              <a:pathLst>
-                <a:path h="5624195" w="6348857">
-                  <a:moveTo>
-                    <a:pt x="6348857" y="3893693"/>
-                  </a:moveTo>
-                  <a:lnTo>
-                    <a:pt x="5391658" y="3893693"/>
-                  </a:lnTo>
-                  <a:cubicBezTo>
-                    <a:pt x="5231511" y="4875149"/>
-                    <a:pt x="4379722" y="5624195"/>
-                    <a:pt x="3352927" y="5624195"/>
-                  </a:cubicBezTo>
-                  <a:cubicBezTo>
-                    <a:pt x="2211959" y="5624195"/>
-                    <a:pt x="1287145" y="4699254"/>
-                    <a:pt x="1287145" y="3558413"/>
-                  </a:cubicBezTo>
-                  <a:cubicBezTo>
-                    <a:pt x="1287145" y="3121787"/>
-                    <a:pt x="1422654" y="2716784"/>
-                    <a:pt x="1653794" y="2383155"/>
-                  </a:cubicBezTo>
-                  <a:lnTo>
-                    <a:pt x="1238504" y="2347087"/>
-                  </a:lnTo>
-                  <a:lnTo>
-                    <a:pt x="1805051" y="2017776"/>
-                  </a:lnTo>
-                  <a:lnTo>
-                    <a:pt x="0" y="1600708"/>
-                  </a:lnTo>
-                  <a:lnTo>
-                    <a:pt x="1908810" y="1630045"/>
-                  </a:lnTo>
-                  <a:lnTo>
-                    <a:pt x="1483868" y="921385"/>
-                  </a:lnTo>
-                  <a:lnTo>
-                    <a:pt x="2192528" y="1346327"/>
-                  </a:lnTo>
-                  <a:lnTo>
-                    <a:pt x="2087499" y="0"/>
-                  </a:lnTo>
-                  <a:lnTo>
-                    <a:pt x="2580132" y="1242568"/>
-                  </a:lnTo>
-                  <a:lnTo>
-                    <a:pt x="2963545" y="552323"/>
-                  </a:lnTo>
-                  <a:lnTo>
-                    <a:pt x="2963545" y="508254"/>
-                  </a:lnTo>
-                  <a:cubicBezTo>
-                    <a:pt x="4833239" y="508381"/>
-                    <a:pt x="6348857" y="2023999"/>
-                    <a:pt x="6348857" y="3893693"/>
-                  </a:cubicBezTo>
-                  <a:close/>
-                </a:path>
-              </a:pathLst>
-            </a:custGeom>
-            <a:blipFill>
-              <a:blip r:embed="rId8"/>
-              <a:stretch>
-                <a:fillRect l="-33375" t="0" r="-33375" b="0"/>
-              </a:stretch>
-            </a:blipFill>
-          </p:spPr>
-        </p:sp>
-      </p:grpSp>
-      <p:sp>
-        <p:nvSpPr>
-          <p:cNvPr name="TextBox 8" id="8"/>
-          <p:cNvSpPr txBox="true"/>
-          <p:nvPr/>
-        </p:nvSpPr>
-        <p:spPr>
-          <a:xfrm rot="0">
-            <a:off x="15817928" y="1154198"/>
-            <a:ext cx="1441372" cy="433387"/>
+            <a:off x="1038669" y="1221253"/>
+            <a:ext cx="16220631" cy="1990725"/>
           </a:xfrm>
           <a:prstGeom prst="rect">
             <a:avLst/>
@@ -9245,54 +9581,13 @@
           </a:bodyPr>
           <a:lstStyle/>
           <a:p>
-            <a:pPr algn="r">
+            <a:pPr algn="l">
               <a:lnSpc>
-                <a:spcPts val="3359"/>
+                <a:spcPts val="7560"/>
               </a:lnSpc>
             </a:pPr>
             <a:r>
-              <a:rPr lang="en-US" sz="2799" b="true">
-                <a:solidFill>
-                  <a:srgbClr val="FFFFFF"/>
-                </a:solidFill>
-                <a:latin typeface="Hagrid Medium"/>
-                <a:ea typeface="Hagrid Medium"/>
-                <a:cs typeface="Hagrid Medium"/>
-                <a:sym typeface="Hagrid Medium"/>
-              </a:rPr>
-              <a:t>Intro</a:t>
-            </a:r>
-          </a:p>
-        </p:txBody>
-      </p:sp>
-      <p:sp>
-        <p:nvSpPr>
-          <p:cNvPr name="TextBox 9" id="9"/>
-          <p:cNvSpPr txBox="true"/>
-          <p:nvPr/>
-        </p:nvSpPr>
-        <p:spPr>
-          <a:xfrm rot="0">
-            <a:off x="1028700" y="2642784"/>
-            <a:ext cx="8115300" cy="1152525"/>
-          </a:xfrm>
-          <a:prstGeom prst="rect">
-            <a:avLst/>
-          </a:prstGeom>
-        </p:spPr>
-        <p:txBody>
-          <a:bodyPr anchor="t" rtlCol="false" tIns="0" lIns="0" bIns="0" rIns="0">
-            <a:spAutoFit/>
-          </a:bodyPr>
-          <a:lstStyle/>
-          <a:p>
-            <a:pPr algn="l">
-              <a:lnSpc>
-                <a:spcPts val="8640"/>
-              </a:lnSpc>
-            </a:pPr>
-            <a:r>
-              <a:rPr lang="en-US" sz="7200" b="true">
+              <a:rPr lang="en-US" sz="6300" b="true">
                 <a:solidFill>
                   <a:srgbClr val="B08DF4"/>
                 </a:solidFill>
@@ -9301,21 +9596,46 @@
                 <a:cs typeface="Hagrid Ultra-Bold"/>
                 <a:sym typeface="Hagrid Ultra-Bold"/>
               </a:rPr>
-              <a:t>NO FUTURO</a:t>
-            </a:r>
-          </a:p>
-        </p:txBody>
-      </p:sp>
-      <p:sp>
-        <p:nvSpPr>
-          <p:cNvPr name="TextBox 10" id="10"/>
+              <a:t>COMO O  </a:t>
+            </a:r>
+            <a:r>
+              <a:rPr lang="en-US" b="true" sz="6300" u="sng">
+                <a:solidFill>
+                  <a:srgbClr val="B08DF4"/>
+                </a:solidFill>
+                <a:latin typeface="Hagrid Ultra-Bold"/>
+                <a:ea typeface="Hagrid Ultra-Bold"/>
+                <a:cs typeface="Hagrid Ultra-Bold"/>
+                <a:sym typeface="Hagrid Ultra-Bold"/>
+                <a:hlinkClick r:id="rId8" tooltip="https://www.google.com/search?rlz=1C1GCEA_enBR1087BR1104&amp;cs=0&amp;sca_esv=5bcfae1adc0171b1&amp;sxsrf=AE3TifPHIxRPMXrS8pdcmDs1ooWOSHivjw%3A1758293676068&amp;q=T%C3%A9cnico+de+Inform%C3%A1tica&amp;sa=X&amp;ved=2ahUKEwj_vrmviuWPAxVGrZUCHe9KMBYQxccNegQIAhAB&amp;mstk=AUtExfCySiwncHGvm3aZry5kPqIDTGc8SyhwDPt8OhLD38Hi3WkFdva2dlXI0ByY_EJ5mM122lS2b_s3qsvEh9xhhD1E2HptvTaNpRuhkGjK1iX1dQ3RZFn5ioRfr0nJW7ZwFbiGEpd1dhivNNCbe-bZ6NVxe_Tokmew1WWlOcMjjaz-wwc&amp;csui=3"/>
+              </a:rPr>
+              <a:t>TÉCNICO DE INFORMÁTICA</a:t>
+            </a:r>
+            <a:r>
+              <a:rPr lang="en-US" sz="6300" b="true">
+                <a:solidFill>
+                  <a:srgbClr val="B08DF4"/>
+                </a:solidFill>
+                <a:latin typeface="Hagrid Ultra-Bold"/>
+                <a:ea typeface="Hagrid Ultra-Bold"/>
+                <a:cs typeface="Hagrid Ultra-Bold"/>
+                <a:sym typeface="Hagrid Ultra-Bold"/>
+              </a:rPr>
+              <a:t> APLICA ESSA TECNOLOGIA </a:t>
+            </a:r>
+          </a:p>
+        </p:txBody>
+      </p:sp>
+      <p:sp>
+        <p:nvSpPr>
+          <p:cNvPr name="TextBox 7" id="7"/>
           <p:cNvSpPr txBox="true"/>
           <p:nvPr/>
         </p:nvSpPr>
         <p:spPr>
           <a:xfrm rot="0">
-            <a:off x="1028700" y="4052806"/>
-            <a:ext cx="8115300" cy="3050541"/>
+            <a:off x="8230821" y="5504650"/>
+            <a:ext cx="7510972" cy="3750945"/>
           </a:xfrm>
           <a:prstGeom prst="rect">
             <a:avLst/>
@@ -9327,22 +9647,60 @@
           </a:bodyPr>
           <a:lstStyle/>
           <a:p>
-            <a:pPr algn="just">
+            <a:pPr algn="l">
               <a:lnSpc>
-                <a:spcPts val="3519"/>
+                <a:spcPts val="3359"/>
               </a:lnSpc>
             </a:pPr>
             <a:r>
-              <a:rPr lang="en-US" sz="2199">
+              <a:rPr lang="en-US" sz="2099">
                 <a:solidFill>
                   <a:srgbClr val="FFFFFF"/>
                 </a:solidFill>
-                <a:latin typeface="Hagrid"/>
-                <a:ea typeface="Hagrid"/>
-                <a:cs typeface="Hagrid"/>
-                <a:sym typeface="Hagrid"/>
+                <a:latin typeface="Hagrid Light"/>
+                <a:ea typeface="Hagrid Light"/>
+                <a:cs typeface="Hagrid Light"/>
+                <a:sym typeface="Hagrid Light"/>
               </a:rPr>
-              <a:t>Nos próximos 5 a 10 anos, o metaverso e a IoT devem se integrar cada vez mais, conectando o mundo físico ao virtual. Isso deve transformar áreas como saúde, educação, trabalho e cidades inteligentes, com experiências mais imersivas e automação. Mas será essencial cuidar da segurança, da privacidade e do acesso para todos.</a:t>
+              <a:t> O  metaverso pode ser usado no auxilio do aprendizado, utilizando modelos 3D, sendo mais interativo e facilitando a compreensão.</a:t>
+            </a:r>
+          </a:p>
+          <a:p>
+            <a:pPr algn="l">
+              <a:lnSpc>
+                <a:spcPts val="3359"/>
+              </a:lnSpc>
+            </a:pPr>
+            <a:r>
+              <a:rPr lang="en-US" sz="2099">
+                <a:solidFill>
+                  <a:srgbClr val="FFFFFF"/>
+                </a:solidFill>
+                <a:latin typeface="Hagrid Light"/>
+                <a:ea typeface="Hagrid Light"/>
+                <a:cs typeface="Hagrid Light"/>
+                <a:sym typeface="Hagrid Light"/>
+              </a:rPr>
+              <a:t> Ele permite a socialização incluindo apresentações imersivas, usando (AR) ou realidade virtual (VR)</a:t>
+            </a:r>
+          </a:p>
+          <a:p>
+            <a:pPr algn="l">
+              <a:lnSpc>
+                <a:spcPts val="3359"/>
+              </a:lnSpc>
+            </a:pPr>
+            <a:r>
+              <a:rPr lang="en-US" sz="2099">
+                <a:solidFill>
+                  <a:srgbClr val="FFFFFF"/>
+                </a:solidFill>
+                <a:latin typeface="Hagrid Light"/>
+                <a:ea typeface="Hagrid Light"/>
+                <a:cs typeface="Hagrid Light"/>
+                <a:sym typeface="Hagrid Light"/>
+              </a:rPr>
+              <a:t> Ele abre caminhos para nomas ferramentas e tecnologias como o blockchain. Essas interações e experiencias fazem com que os técnicos consigam atuar em todas as áreas do conhecimento.</a:t>
             </a:r>
           </a:p>
         </p:txBody>
